--- a/en-presentation/src/test/java/com/g2forge/enigma/presentation/empty.pptx
+++ b/en-presentation/src/test/java/com/g2forge/enigma/presentation/empty.pptx
@@ -1,6 +1,6 @@
 
 <file path=ppt/presentation.xml><?xml version="1.0" encoding="utf-8"?>
-<p:presentation xmlns:a="http://schemas.openxmlformats.org/drawingml/2006/main" xmlns:p="http://schemas.openxmlformats.org/presentationml/2006/main" xmlns:r="http://schemas.openxmlformats.org/officeDocument/2006/relationships" saveSubsetFonts="1">
+<p:presentation xmlns:a="http://schemas.openxmlformats.org/drawingml/2006/main" xmlns:r="http://schemas.openxmlformats.org/officeDocument/2006/relationships" xmlns:p="http://schemas.openxmlformats.org/presentationml/2006/main" saveSubsetFonts="1">
   <p:sldMasterIdLst>
     <p:sldMasterId id="2147483648" r:id="rId1"/>
   </p:sldMasterIdLst>
@@ -10,8 +10,8 @@
     <a:defPPr>
       <a:defRPr lang="en-US"/>
     </a:defPPr>
-    <a:lvl1pPr algn="l" defTabSz="914400" eaLnBrk="1" hangingPunct="1" latinLnBrk="0" marL="0" rtl="0">
-      <a:defRPr kern="1200" sz="1800">
+    <a:lvl1pPr marL="0" algn="l" defTabSz="914400" rtl="0" eaLnBrk="1" latinLnBrk="0" hangingPunct="1">
+      <a:defRPr sz="1800" kern="1200">
         <a:solidFill>
           <a:schemeClr val="tx1"/>
         </a:solidFill>
@@ -20,8 +20,8 @@
         <a:cs typeface="+mn-cs"/>
       </a:defRPr>
     </a:lvl1pPr>
-    <a:lvl2pPr algn="l" defTabSz="914400" eaLnBrk="1" hangingPunct="1" latinLnBrk="0" marL="457200" rtl="0">
-      <a:defRPr kern="1200" sz="1800">
+    <a:lvl2pPr marL="457200" algn="l" defTabSz="914400" rtl="0" eaLnBrk="1" latinLnBrk="0" hangingPunct="1">
+      <a:defRPr sz="1800" kern="1200">
         <a:solidFill>
           <a:schemeClr val="tx1"/>
         </a:solidFill>
@@ -30,8 +30,8 @@
         <a:cs typeface="+mn-cs"/>
       </a:defRPr>
     </a:lvl2pPr>
-    <a:lvl3pPr algn="l" defTabSz="914400" eaLnBrk="1" hangingPunct="1" latinLnBrk="0" marL="914400" rtl="0">
-      <a:defRPr kern="1200" sz="1800">
+    <a:lvl3pPr marL="914400" algn="l" defTabSz="914400" rtl="0" eaLnBrk="1" latinLnBrk="0" hangingPunct="1">
+      <a:defRPr sz="1800" kern="1200">
         <a:solidFill>
           <a:schemeClr val="tx1"/>
         </a:solidFill>
@@ -40,8 +40,8 @@
         <a:cs typeface="+mn-cs"/>
       </a:defRPr>
     </a:lvl3pPr>
-    <a:lvl4pPr algn="l" defTabSz="914400" eaLnBrk="1" hangingPunct="1" latinLnBrk="0" marL="1371600" rtl="0">
-      <a:defRPr kern="1200" sz="1800">
+    <a:lvl4pPr marL="1371600" algn="l" defTabSz="914400" rtl="0" eaLnBrk="1" latinLnBrk="0" hangingPunct="1">
+      <a:defRPr sz="1800" kern="1200">
         <a:solidFill>
           <a:schemeClr val="tx1"/>
         </a:solidFill>
@@ -50,8 +50,8 @@
         <a:cs typeface="+mn-cs"/>
       </a:defRPr>
     </a:lvl4pPr>
-    <a:lvl5pPr algn="l" defTabSz="914400" eaLnBrk="1" hangingPunct="1" latinLnBrk="0" marL="1828800" rtl="0">
-      <a:defRPr kern="1200" sz="1800">
+    <a:lvl5pPr marL="1828800" algn="l" defTabSz="914400" rtl="0" eaLnBrk="1" latinLnBrk="0" hangingPunct="1">
+      <a:defRPr sz="1800" kern="1200">
         <a:solidFill>
           <a:schemeClr val="tx1"/>
         </a:solidFill>
@@ -60,8 +60,8 @@
         <a:cs typeface="+mn-cs"/>
       </a:defRPr>
     </a:lvl5pPr>
-    <a:lvl6pPr algn="l" defTabSz="914400" eaLnBrk="1" hangingPunct="1" latinLnBrk="0" marL="2286000" rtl="0">
-      <a:defRPr kern="1200" sz="1800">
+    <a:lvl6pPr marL="2286000" algn="l" defTabSz="914400" rtl="0" eaLnBrk="1" latinLnBrk="0" hangingPunct="1">
+      <a:defRPr sz="1800" kern="1200">
         <a:solidFill>
           <a:schemeClr val="tx1"/>
         </a:solidFill>
@@ -70,8 +70,8 @@
         <a:cs typeface="+mn-cs"/>
       </a:defRPr>
     </a:lvl6pPr>
-    <a:lvl7pPr algn="l" defTabSz="914400" eaLnBrk="1" hangingPunct="1" latinLnBrk="0" marL="2743200" rtl="0">
-      <a:defRPr kern="1200" sz="1800">
+    <a:lvl7pPr marL="2743200" algn="l" defTabSz="914400" rtl="0" eaLnBrk="1" latinLnBrk="0" hangingPunct="1">
+      <a:defRPr sz="1800" kern="1200">
         <a:solidFill>
           <a:schemeClr val="tx1"/>
         </a:solidFill>
@@ -80,8 +80,8 @@
         <a:cs typeface="+mn-cs"/>
       </a:defRPr>
     </a:lvl7pPr>
-    <a:lvl8pPr algn="l" defTabSz="914400" eaLnBrk="1" hangingPunct="1" latinLnBrk="0" marL="3200400" rtl="0">
-      <a:defRPr kern="1200" sz="1800">
+    <a:lvl8pPr marL="3200400" algn="l" defTabSz="914400" rtl="0" eaLnBrk="1" latinLnBrk="0" hangingPunct="1">
+      <a:defRPr sz="1800" kern="1200">
         <a:solidFill>
           <a:schemeClr val="tx1"/>
         </a:solidFill>
@@ -90,8 +90,8 @@
         <a:cs typeface="+mn-cs"/>
       </a:defRPr>
     </a:lvl8pPr>
-    <a:lvl9pPr algn="l" defTabSz="914400" eaLnBrk="1" hangingPunct="1" latinLnBrk="0" marL="3657600" rtl="0">
-      <a:defRPr kern="1200" sz="1800">
+    <a:lvl9pPr marL="3657600" algn="l" defTabSz="914400" rtl="0" eaLnBrk="1" latinLnBrk="0" hangingPunct="1">
+      <a:defRPr sz="1800" kern="1200">
         <a:solidFill>
           <a:schemeClr val="tx1"/>
         </a:solidFill>
@@ -105,7 +105,7 @@
 </file>
 
 <file path=ppt/slideLayouts/slideLayout1.xml><?xml version="1.0" encoding="utf-8"?>
-<p:sldLayout xmlns:a="http://schemas.openxmlformats.org/drawingml/2006/main" xmlns:p="http://schemas.openxmlformats.org/presentationml/2006/main" xmlns:r="http://schemas.openxmlformats.org/officeDocument/2006/relationships" preserve="1" type="title">
+<p:sldLayout xmlns:a="http://schemas.openxmlformats.org/drawingml/2006/main" xmlns:r="http://schemas.openxmlformats.org/officeDocument/2006/relationships" xmlns:p="http://schemas.openxmlformats.org/presentationml/2006/main" type="title" preserve="1">
   <p:cSld name="Title Slide">
     <p:spTree>
       <p:nvGrpSpPr>
@@ -156,7 +156,7 @@
             <a:spLocks noGrp="1"/>
           </p:cNvSpPr>
           <p:nvPr>
-            <p:ph idx="1" type="subTitle"/>
+            <p:ph type="subTitle" idx="1"/>
           </p:nvPr>
         </p:nvSpPr>
         <p:spPr>
@@ -168,7 +168,7 @@
         <p:txBody>
           <a:bodyPr/>
           <a:lstStyle>
-            <a:lvl1pPr algn="ctr" indent="0" marL="0">
+            <a:lvl1pPr marL="0" indent="0" algn="ctr">
               <a:buNone/>
               <a:defRPr>
                 <a:solidFill>
@@ -178,7 +178,7 @@
                 </a:solidFill>
               </a:defRPr>
             </a:lvl1pPr>
-            <a:lvl2pPr algn="ctr" indent="0" marL="457200">
+            <a:lvl2pPr marL="457200" indent="0" algn="ctr">
               <a:buNone/>
               <a:defRPr>
                 <a:solidFill>
@@ -188,7 +188,7 @@
                 </a:solidFill>
               </a:defRPr>
             </a:lvl2pPr>
-            <a:lvl3pPr algn="ctr" indent="0" marL="914400">
+            <a:lvl3pPr marL="914400" indent="0" algn="ctr">
               <a:buNone/>
               <a:defRPr>
                 <a:solidFill>
@@ -198,7 +198,7 @@
                 </a:solidFill>
               </a:defRPr>
             </a:lvl3pPr>
-            <a:lvl4pPr algn="ctr" indent="0" marL="1371600">
+            <a:lvl4pPr marL="1371600" indent="0" algn="ctr">
               <a:buNone/>
               <a:defRPr>
                 <a:solidFill>
@@ -208,7 +208,7 @@
                 </a:solidFill>
               </a:defRPr>
             </a:lvl4pPr>
-            <a:lvl5pPr algn="ctr" indent="0" marL="1828800">
+            <a:lvl5pPr marL="1828800" indent="0" algn="ctr">
               <a:buNone/>
               <a:defRPr>
                 <a:solidFill>
@@ -218,7 +218,7 @@
                 </a:solidFill>
               </a:defRPr>
             </a:lvl5pPr>
-            <a:lvl6pPr algn="ctr" indent="0" marL="2286000">
+            <a:lvl6pPr marL="2286000" indent="0" algn="ctr">
               <a:buNone/>
               <a:defRPr>
                 <a:solidFill>
@@ -228,7 +228,7 @@
                 </a:solidFill>
               </a:defRPr>
             </a:lvl6pPr>
-            <a:lvl7pPr algn="ctr" indent="0" marL="2743200">
+            <a:lvl7pPr marL="2743200" indent="0" algn="ctr">
               <a:buNone/>
               <a:defRPr>
                 <a:solidFill>
@@ -238,7 +238,7 @@
                 </a:solidFill>
               </a:defRPr>
             </a:lvl7pPr>
-            <a:lvl8pPr algn="ctr" indent="0" marL="3200400">
+            <a:lvl8pPr marL="3200400" indent="0" algn="ctr">
               <a:buNone/>
               <a:defRPr>
                 <a:solidFill>
@@ -248,7 +248,7 @@
                 </a:solidFill>
               </a:defRPr>
             </a:lvl8pPr>
-            <a:lvl9pPr algn="ctr" indent="0" marL="3657600">
+            <a:lvl9pPr marL="3657600" indent="0" algn="ctr">
               <a:buNone/>
               <a:defRPr>
                 <a:solidFill>
@@ -275,7 +275,7 @@
             <a:spLocks noGrp="1"/>
           </p:cNvSpPr>
           <p:nvPr>
-            <p:ph idx="10" sz="half" type="dt"/>
+            <p:ph type="dt" sz="half" idx="10"/>
           </p:nvPr>
         </p:nvSpPr>
         <p:spPr/>
@@ -299,7 +299,7 @@
             <a:spLocks noGrp="1"/>
           </p:cNvSpPr>
           <p:nvPr>
-            <p:ph idx="11" sz="quarter" type="ftr"/>
+            <p:ph type="ftr" sz="quarter" idx="11"/>
           </p:nvPr>
         </p:nvSpPr>
         <p:spPr/>
@@ -318,7 +318,7 @@
             <a:spLocks noGrp="1"/>
           </p:cNvSpPr>
           <p:nvPr>
-            <p:ph idx="12" sz="quarter" type="sldNum"/>
+            <p:ph type="sldNum" sz="quarter" idx="12"/>
           </p:nvPr>
         </p:nvSpPr>
         <p:spPr/>
@@ -344,7 +344,7 @@
 </file>
 
 <file path=ppt/slideLayouts/slideLayout10.xml><?xml version="1.0" encoding="utf-8"?>
-<p:sldLayout xmlns:a="http://schemas.openxmlformats.org/drawingml/2006/main" xmlns:p="http://schemas.openxmlformats.org/presentationml/2006/main" xmlns:r="http://schemas.openxmlformats.org/officeDocument/2006/relationships" preserve="1" type="vertTx">
+<p:sldLayout xmlns:a="http://schemas.openxmlformats.org/drawingml/2006/main" xmlns:r="http://schemas.openxmlformats.org/officeDocument/2006/relationships" xmlns:p="http://schemas.openxmlformats.org/presentationml/2006/main" type="vertTx" preserve="1">
   <p:cSld name="Title and Vertical Text">
     <p:spTree>
       <p:nvGrpSpPr>
@@ -390,7 +390,7 @@
             <a:spLocks noGrp="1"/>
           </p:cNvSpPr>
           <p:nvPr>
-            <p:ph idx="1" orient="vert" type="body"/>
+            <p:ph type="body" orient="vert" idx="1"/>
           </p:nvPr>
         </p:nvSpPr>
         <p:spPr/>
@@ -442,7 +442,7 @@
             <a:spLocks noGrp="1"/>
           </p:cNvSpPr>
           <p:nvPr>
-            <p:ph idx="10" sz="half" type="dt"/>
+            <p:ph type="dt" sz="half" idx="10"/>
           </p:nvPr>
         </p:nvSpPr>
         <p:spPr/>
@@ -466,7 +466,7 @@
             <a:spLocks noGrp="1"/>
           </p:cNvSpPr>
           <p:nvPr>
-            <p:ph idx="11" sz="quarter" type="ftr"/>
+            <p:ph type="ftr" sz="quarter" idx="11"/>
           </p:nvPr>
         </p:nvSpPr>
         <p:spPr/>
@@ -485,7 +485,7 @@
             <a:spLocks noGrp="1"/>
           </p:cNvSpPr>
           <p:nvPr>
-            <p:ph idx="12" sz="quarter" type="sldNum"/>
+            <p:ph type="sldNum" sz="quarter" idx="12"/>
           </p:nvPr>
         </p:nvSpPr>
         <p:spPr/>
@@ -511,7 +511,7 @@
 </file>
 
 <file path=ppt/slideLayouts/slideLayout11.xml><?xml version="1.0" encoding="utf-8"?>
-<p:sldLayout xmlns:a="http://schemas.openxmlformats.org/drawingml/2006/main" xmlns:p="http://schemas.openxmlformats.org/presentationml/2006/main" xmlns:r="http://schemas.openxmlformats.org/officeDocument/2006/relationships" preserve="1" type="vertTitleAndTx">
+<p:sldLayout xmlns:a="http://schemas.openxmlformats.org/drawingml/2006/main" xmlns:r="http://schemas.openxmlformats.org/officeDocument/2006/relationships" xmlns:p="http://schemas.openxmlformats.org/presentationml/2006/main" type="vertTitleAndTx" preserve="1">
   <p:cSld name="Vertical Title and Text">
     <p:spTree>
       <p:nvGrpSpPr>
@@ -534,7 +534,7 @@
             <a:spLocks noGrp="1"/>
           </p:cNvSpPr>
           <p:nvPr>
-            <p:ph orient="vert" type="title"/>
+            <p:ph type="title" orient="vert"/>
           </p:nvPr>
         </p:nvSpPr>
         <p:spPr>
@@ -562,7 +562,7 @@
             <a:spLocks noGrp="1"/>
           </p:cNvSpPr>
           <p:nvPr>
-            <p:ph idx="1" orient="vert" type="body"/>
+            <p:ph type="body" orient="vert" idx="1"/>
           </p:nvPr>
         </p:nvSpPr>
         <p:spPr>
@@ -619,7 +619,7 @@
             <a:spLocks noGrp="1"/>
           </p:cNvSpPr>
           <p:nvPr>
-            <p:ph idx="10" sz="half" type="dt"/>
+            <p:ph type="dt" sz="half" idx="10"/>
           </p:nvPr>
         </p:nvSpPr>
         <p:spPr/>
@@ -643,7 +643,7 @@
             <a:spLocks noGrp="1"/>
           </p:cNvSpPr>
           <p:nvPr>
-            <p:ph idx="11" sz="quarter" type="ftr"/>
+            <p:ph type="ftr" sz="quarter" idx="11"/>
           </p:nvPr>
         </p:nvSpPr>
         <p:spPr/>
@@ -662,7 +662,7 @@
             <a:spLocks noGrp="1"/>
           </p:cNvSpPr>
           <p:nvPr>
-            <p:ph idx="12" sz="quarter" type="sldNum"/>
+            <p:ph type="sldNum" sz="quarter" idx="12"/>
           </p:nvPr>
         </p:nvSpPr>
         <p:spPr/>
@@ -688,7 +688,7 @@
 </file>
 
 <file path=ppt/slideLayouts/slideLayout2.xml><?xml version="1.0" encoding="utf-8"?>
-<p:sldLayout xmlns:a="http://schemas.openxmlformats.org/drawingml/2006/main" xmlns:p="http://schemas.openxmlformats.org/presentationml/2006/main" xmlns:r="http://schemas.openxmlformats.org/officeDocument/2006/relationships" preserve="1" type="obj">
+<p:sldLayout xmlns:a="http://schemas.openxmlformats.org/drawingml/2006/main" xmlns:r="http://schemas.openxmlformats.org/officeDocument/2006/relationships" xmlns:p="http://schemas.openxmlformats.org/presentationml/2006/main" type="obj" preserve="1">
   <p:cSld name="Title and Content">
     <p:spTree>
       <p:nvGrpSpPr>
@@ -786,7 +786,7 @@
             <a:spLocks noGrp="1"/>
           </p:cNvSpPr>
           <p:nvPr>
-            <p:ph idx="10" sz="half" type="dt"/>
+            <p:ph type="dt" sz="half" idx="10"/>
           </p:nvPr>
         </p:nvSpPr>
         <p:spPr/>
@@ -810,7 +810,7 @@
             <a:spLocks noGrp="1"/>
           </p:cNvSpPr>
           <p:nvPr>
-            <p:ph idx="11" sz="quarter" type="ftr"/>
+            <p:ph type="ftr" sz="quarter" idx="11"/>
           </p:nvPr>
         </p:nvSpPr>
         <p:spPr/>
@@ -829,7 +829,7 @@
             <a:spLocks noGrp="1"/>
           </p:cNvSpPr>
           <p:nvPr>
-            <p:ph idx="12" sz="quarter" type="sldNum"/>
+            <p:ph type="sldNum" sz="quarter" idx="12"/>
           </p:nvPr>
         </p:nvSpPr>
         <p:spPr/>
@@ -855,7 +855,7 @@
 </file>
 
 <file path=ppt/slideLayouts/slideLayout3.xml><?xml version="1.0" encoding="utf-8"?>
-<p:sldLayout xmlns:a="http://schemas.openxmlformats.org/drawingml/2006/main" xmlns:p="http://schemas.openxmlformats.org/presentationml/2006/main" xmlns:r="http://schemas.openxmlformats.org/officeDocument/2006/relationships" preserve="1" type="secHead">
+<p:sldLayout xmlns:a="http://schemas.openxmlformats.org/drawingml/2006/main" xmlns:r="http://schemas.openxmlformats.org/officeDocument/2006/relationships" xmlns:p="http://schemas.openxmlformats.org/presentationml/2006/main" type="secHead" preserve="1">
   <p:cSld name="Section Header">
     <p:spTree>
       <p:nvGrpSpPr>
@@ -891,7 +891,7 @@
           <a:bodyPr anchor="t"/>
           <a:lstStyle>
             <a:lvl1pPr algn="l">
-              <a:defRPr b="1" cap="all" sz="4000"/>
+              <a:defRPr sz="4000" b="1" cap="all"/>
             </a:lvl1pPr>
           </a:lstStyle>
           <a:p>
@@ -910,7 +910,7 @@
             <a:spLocks noGrp="1"/>
           </p:cNvSpPr>
           <p:nvPr>
-            <p:ph idx="1" type="body"/>
+            <p:ph type="body" idx="1"/>
           </p:nvPr>
         </p:nvSpPr>
         <p:spPr>
@@ -922,7 +922,7 @@
         <p:txBody>
           <a:bodyPr anchor="b"/>
           <a:lstStyle>
-            <a:lvl1pPr indent="0" marL="0">
+            <a:lvl1pPr marL="0" indent="0">
               <a:buNone/>
               <a:defRPr sz="2000">
                 <a:solidFill>
@@ -932,7 +932,7 @@
                 </a:solidFill>
               </a:defRPr>
             </a:lvl1pPr>
-            <a:lvl2pPr indent="0" marL="457200">
+            <a:lvl2pPr marL="457200" indent="0">
               <a:buNone/>
               <a:defRPr sz="1800">
                 <a:solidFill>
@@ -942,7 +942,7 @@
                 </a:solidFill>
               </a:defRPr>
             </a:lvl2pPr>
-            <a:lvl3pPr indent="0" marL="914400">
+            <a:lvl3pPr marL="914400" indent="0">
               <a:buNone/>
               <a:defRPr sz="1600">
                 <a:solidFill>
@@ -952,7 +952,7 @@
                 </a:solidFill>
               </a:defRPr>
             </a:lvl3pPr>
-            <a:lvl4pPr indent="0" marL="1371600">
+            <a:lvl4pPr marL="1371600" indent="0">
               <a:buNone/>
               <a:defRPr sz="1400">
                 <a:solidFill>
@@ -962,7 +962,7 @@
                 </a:solidFill>
               </a:defRPr>
             </a:lvl4pPr>
-            <a:lvl5pPr indent="0" marL="1828800">
+            <a:lvl5pPr marL="1828800" indent="0">
               <a:buNone/>
               <a:defRPr sz="1400">
                 <a:solidFill>
@@ -972,7 +972,7 @@
                 </a:solidFill>
               </a:defRPr>
             </a:lvl5pPr>
-            <a:lvl6pPr indent="0" marL="2286000">
+            <a:lvl6pPr marL="2286000" indent="0">
               <a:buNone/>
               <a:defRPr sz="1400">
                 <a:solidFill>
@@ -982,7 +982,7 @@
                 </a:solidFill>
               </a:defRPr>
             </a:lvl6pPr>
-            <a:lvl7pPr indent="0" marL="2743200">
+            <a:lvl7pPr marL="2743200" indent="0">
               <a:buNone/>
               <a:defRPr sz="1400">
                 <a:solidFill>
@@ -992,7 +992,7 @@
                 </a:solidFill>
               </a:defRPr>
             </a:lvl7pPr>
-            <a:lvl8pPr indent="0" marL="3200400">
+            <a:lvl8pPr marL="3200400" indent="0">
               <a:buNone/>
               <a:defRPr sz="1400">
                 <a:solidFill>
@@ -1002,7 +1002,7 @@
                 </a:solidFill>
               </a:defRPr>
             </a:lvl8pPr>
-            <a:lvl9pPr indent="0" marL="3657600">
+            <a:lvl9pPr marL="3657600" indent="0">
               <a:buNone/>
               <a:defRPr sz="1400">
                 <a:solidFill>
@@ -1029,7 +1029,7 @@
             <a:spLocks noGrp="1"/>
           </p:cNvSpPr>
           <p:nvPr>
-            <p:ph idx="10" sz="half" type="dt"/>
+            <p:ph type="dt" sz="half" idx="10"/>
           </p:nvPr>
         </p:nvSpPr>
         <p:spPr/>
@@ -1053,7 +1053,7 @@
             <a:spLocks noGrp="1"/>
           </p:cNvSpPr>
           <p:nvPr>
-            <p:ph idx="11" sz="quarter" type="ftr"/>
+            <p:ph type="ftr" sz="quarter" idx="11"/>
           </p:nvPr>
         </p:nvSpPr>
         <p:spPr/>
@@ -1072,7 +1072,7 @@
             <a:spLocks noGrp="1"/>
           </p:cNvSpPr>
           <p:nvPr>
-            <p:ph idx="12" sz="quarter" type="sldNum"/>
+            <p:ph type="sldNum" sz="quarter" idx="12"/>
           </p:nvPr>
         </p:nvSpPr>
         <p:spPr/>
@@ -1098,7 +1098,7 @@
 </file>
 
 <file path=ppt/slideLayouts/slideLayout4.xml><?xml version="1.0" encoding="utf-8"?>
-<p:sldLayout xmlns:a="http://schemas.openxmlformats.org/drawingml/2006/main" xmlns:p="http://schemas.openxmlformats.org/presentationml/2006/main" xmlns:r="http://schemas.openxmlformats.org/officeDocument/2006/relationships" preserve="1" type="twoObj">
+<p:sldLayout xmlns:a="http://schemas.openxmlformats.org/drawingml/2006/main" xmlns:r="http://schemas.openxmlformats.org/officeDocument/2006/relationships" xmlns:p="http://schemas.openxmlformats.org/presentationml/2006/main" type="twoObj" preserve="1">
   <p:cSld name="Two Content">
     <p:spTree>
       <p:nvGrpSpPr>
@@ -1144,7 +1144,7 @@
             <a:spLocks noGrp="1"/>
           </p:cNvSpPr>
           <p:nvPr>
-            <p:ph idx="1" sz="half"/>
+            <p:ph sz="half" idx="1"/>
           </p:nvPr>
         </p:nvSpPr>
         <p:spPr>
@@ -1229,7 +1229,7 @@
             <a:spLocks noGrp="1"/>
           </p:cNvSpPr>
           <p:nvPr>
-            <p:ph idx="2" sz="half"/>
+            <p:ph sz="half" idx="2"/>
           </p:nvPr>
         </p:nvSpPr>
         <p:spPr>
@@ -1314,7 +1314,7 @@
             <a:spLocks noGrp="1"/>
           </p:cNvSpPr>
           <p:nvPr>
-            <p:ph idx="10" sz="half" type="dt"/>
+            <p:ph type="dt" sz="half" idx="10"/>
           </p:nvPr>
         </p:nvSpPr>
         <p:spPr/>
@@ -1338,7 +1338,7 @@
             <a:spLocks noGrp="1"/>
           </p:cNvSpPr>
           <p:nvPr>
-            <p:ph idx="11" sz="quarter" type="ftr"/>
+            <p:ph type="ftr" sz="quarter" idx="11"/>
           </p:nvPr>
         </p:nvSpPr>
         <p:spPr/>
@@ -1357,7 +1357,7 @@
             <a:spLocks noGrp="1"/>
           </p:cNvSpPr>
           <p:nvPr>
-            <p:ph idx="12" sz="quarter" type="sldNum"/>
+            <p:ph type="sldNum" sz="quarter" idx="12"/>
           </p:nvPr>
         </p:nvSpPr>
         <p:spPr/>
@@ -1383,7 +1383,7 @@
 </file>
 
 <file path=ppt/slideLayouts/slideLayout5.xml><?xml version="1.0" encoding="utf-8"?>
-<p:sldLayout xmlns:a="http://schemas.openxmlformats.org/drawingml/2006/main" xmlns:p="http://schemas.openxmlformats.org/presentationml/2006/main" xmlns:r="http://schemas.openxmlformats.org/officeDocument/2006/relationships" preserve="1" type="twoTxTwoObj">
+<p:sldLayout xmlns:a="http://schemas.openxmlformats.org/drawingml/2006/main" xmlns:r="http://schemas.openxmlformats.org/officeDocument/2006/relationships" xmlns:p="http://schemas.openxmlformats.org/presentationml/2006/main" type="twoTxTwoObj" preserve="1">
   <p:cSld name="Comparison">
     <p:spTree>
       <p:nvGrpSpPr>
@@ -1433,7 +1433,7 @@
             <a:spLocks noGrp="1"/>
           </p:cNvSpPr>
           <p:nvPr>
-            <p:ph idx="1" type="body"/>
+            <p:ph type="body" idx="1"/>
           </p:nvPr>
         </p:nvSpPr>
         <p:spPr>
@@ -1445,41 +1445,41 @@
         <p:txBody>
           <a:bodyPr anchor="b"/>
           <a:lstStyle>
-            <a:lvl1pPr indent="0" marL="0">
-              <a:buNone/>
-              <a:defRPr b="1" sz="2400"/>
+            <a:lvl1pPr marL="0" indent="0">
+              <a:buNone/>
+              <a:defRPr sz="2400" b="1"/>
             </a:lvl1pPr>
-            <a:lvl2pPr indent="0" marL="457200">
-              <a:buNone/>
-              <a:defRPr b="1" sz="2000"/>
+            <a:lvl2pPr marL="457200" indent="0">
+              <a:buNone/>
+              <a:defRPr sz="2000" b="1"/>
             </a:lvl2pPr>
-            <a:lvl3pPr indent="0" marL="914400">
-              <a:buNone/>
-              <a:defRPr b="1" sz="1800"/>
+            <a:lvl3pPr marL="914400" indent="0">
+              <a:buNone/>
+              <a:defRPr sz="1800" b="1"/>
             </a:lvl3pPr>
-            <a:lvl4pPr indent="0" marL="1371600">
-              <a:buNone/>
-              <a:defRPr b="1" sz="1600"/>
+            <a:lvl4pPr marL="1371600" indent="0">
+              <a:buNone/>
+              <a:defRPr sz="1600" b="1"/>
             </a:lvl4pPr>
-            <a:lvl5pPr indent="0" marL="1828800">
-              <a:buNone/>
-              <a:defRPr b="1" sz="1600"/>
+            <a:lvl5pPr marL="1828800" indent="0">
+              <a:buNone/>
+              <a:defRPr sz="1600" b="1"/>
             </a:lvl5pPr>
-            <a:lvl6pPr indent="0" marL="2286000">
-              <a:buNone/>
-              <a:defRPr b="1" sz="1600"/>
+            <a:lvl6pPr marL="2286000" indent="0">
+              <a:buNone/>
+              <a:defRPr sz="1600" b="1"/>
             </a:lvl6pPr>
-            <a:lvl7pPr indent="0" marL="2743200">
-              <a:buNone/>
-              <a:defRPr b="1" sz="1600"/>
+            <a:lvl7pPr marL="2743200" indent="0">
+              <a:buNone/>
+              <a:defRPr sz="1600" b="1"/>
             </a:lvl7pPr>
-            <a:lvl8pPr indent="0" marL="3200400">
-              <a:buNone/>
-              <a:defRPr b="1" sz="1600"/>
+            <a:lvl8pPr marL="3200400" indent="0">
+              <a:buNone/>
+              <a:defRPr sz="1600" b="1"/>
             </a:lvl8pPr>
-            <a:lvl9pPr indent="0" marL="3657600">
-              <a:buNone/>
-              <a:defRPr b="1" sz="1600"/>
+            <a:lvl9pPr marL="3657600" indent="0">
+              <a:buNone/>
+              <a:defRPr sz="1600" b="1"/>
             </a:lvl9pPr>
           </a:lstStyle>
           <a:p>
@@ -1498,7 +1498,7 @@
             <a:spLocks noGrp="1"/>
           </p:cNvSpPr>
           <p:nvPr>
-            <p:ph idx="2" sz="half"/>
+            <p:ph sz="half" idx="2"/>
           </p:nvPr>
         </p:nvSpPr>
         <p:spPr>
@@ -1583,7 +1583,7 @@
             <a:spLocks noGrp="1"/>
           </p:cNvSpPr>
           <p:nvPr>
-            <p:ph idx="3" sz="quarter" type="body"/>
+            <p:ph type="body" sz="quarter" idx="3"/>
           </p:nvPr>
         </p:nvSpPr>
         <p:spPr>
@@ -1595,41 +1595,41 @@
         <p:txBody>
           <a:bodyPr anchor="b"/>
           <a:lstStyle>
-            <a:lvl1pPr indent="0" marL="0">
-              <a:buNone/>
-              <a:defRPr b="1" sz="2400"/>
+            <a:lvl1pPr marL="0" indent="0">
+              <a:buNone/>
+              <a:defRPr sz="2400" b="1"/>
             </a:lvl1pPr>
-            <a:lvl2pPr indent="0" marL="457200">
-              <a:buNone/>
-              <a:defRPr b="1" sz="2000"/>
+            <a:lvl2pPr marL="457200" indent="0">
+              <a:buNone/>
+              <a:defRPr sz="2000" b="1"/>
             </a:lvl2pPr>
-            <a:lvl3pPr indent="0" marL="914400">
-              <a:buNone/>
-              <a:defRPr b="1" sz="1800"/>
+            <a:lvl3pPr marL="914400" indent="0">
+              <a:buNone/>
+              <a:defRPr sz="1800" b="1"/>
             </a:lvl3pPr>
-            <a:lvl4pPr indent="0" marL="1371600">
-              <a:buNone/>
-              <a:defRPr b="1" sz="1600"/>
+            <a:lvl4pPr marL="1371600" indent="0">
+              <a:buNone/>
+              <a:defRPr sz="1600" b="1"/>
             </a:lvl4pPr>
-            <a:lvl5pPr indent="0" marL="1828800">
-              <a:buNone/>
-              <a:defRPr b="1" sz="1600"/>
+            <a:lvl5pPr marL="1828800" indent="0">
+              <a:buNone/>
+              <a:defRPr sz="1600" b="1"/>
             </a:lvl5pPr>
-            <a:lvl6pPr indent="0" marL="2286000">
-              <a:buNone/>
-              <a:defRPr b="1" sz="1600"/>
+            <a:lvl6pPr marL="2286000" indent="0">
+              <a:buNone/>
+              <a:defRPr sz="1600" b="1"/>
             </a:lvl6pPr>
-            <a:lvl7pPr indent="0" marL="2743200">
-              <a:buNone/>
-              <a:defRPr b="1" sz="1600"/>
+            <a:lvl7pPr marL="2743200" indent="0">
+              <a:buNone/>
+              <a:defRPr sz="1600" b="1"/>
             </a:lvl7pPr>
-            <a:lvl8pPr indent="0" marL="3200400">
-              <a:buNone/>
-              <a:defRPr b="1" sz="1600"/>
+            <a:lvl8pPr marL="3200400" indent="0">
+              <a:buNone/>
+              <a:defRPr sz="1600" b="1"/>
             </a:lvl8pPr>
-            <a:lvl9pPr indent="0" marL="3657600">
-              <a:buNone/>
-              <a:defRPr b="1" sz="1600"/>
+            <a:lvl9pPr marL="3657600" indent="0">
+              <a:buNone/>
+              <a:defRPr sz="1600" b="1"/>
             </a:lvl9pPr>
           </a:lstStyle>
           <a:p>
@@ -1648,7 +1648,7 @@
             <a:spLocks noGrp="1"/>
           </p:cNvSpPr>
           <p:nvPr>
-            <p:ph idx="4" sz="quarter"/>
+            <p:ph sz="quarter" idx="4"/>
           </p:nvPr>
         </p:nvSpPr>
         <p:spPr>
@@ -1733,7 +1733,7 @@
             <a:spLocks noGrp="1"/>
           </p:cNvSpPr>
           <p:nvPr>
-            <p:ph idx="10" sz="half" type="dt"/>
+            <p:ph type="dt" sz="half" idx="10"/>
           </p:nvPr>
         </p:nvSpPr>
         <p:spPr/>
@@ -1757,7 +1757,7 @@
             <a:spLocks noGrp="1"/>
           </p:cNvSpPr>
           <p:nvPr>
-            <p:ph idx="11" sz="quarter" type="ftr"/>
+            <p:ph type="ftr" sz="quarter" idx="11"/>
           </p:nvPr>
         </p:nvSpPr>
         <p:spPr/>
@@ -1776,7 +1776,7 @@
             <a:spLocks noGrp="1"/>
           </p:cNvSpPr>
           <p:nvPr>
-            <p:ph idx="12" sz="quarter" type="sldNum"/>
+            <p:ph type="sldNum" sz="quarter" idx="12"/>
           </p:nvPr>
         </p:nvSpPr>
         <p:spPr/>
@@ -1802,7 +1802,7 @@
 </file>
 
 <file path=ppt/slideLayouts/slideLayout6.xml><?xml version="1.0" encoding="utf-8"?>
-<p:sldLayout xmlns:a="http://schemas.openxmlformats.org/drawingml/2006/main" xmlns:p="http://schemas.openxmlformats.org/presentationml/2006/main" xmlns:r="http://schemas.openxmlformats.org/officeDocument/2006/relationships" preserve="1" type="titleOnly">
+<p:sldLayout xmlns:a="http://schemas.openxmlformats.org/drawingml/2006/main" xmlns:r="http://schemas.openxmlformats.org/officeDocument/2006/relationships" xmlns:p="http://schemas.openxmlformats.org/presentationml/2006/main" type="titleOnly" preserve="1">
   <p:cSld name="Title Only">
     <p:spTree>
       <p:nvGrpSpPr>
@@ -1848,7 +1848,7 @@
             <a:spLocks noGrp="1"/>
           </p:cNvSpPr>
           <p:nvPr>
-            <p:ph idx="10" sz="half" type="dt"/>
+            <p:ph type="dt" sz="half" idx="10"/>
           </p:nvPr>
         </p:nvSpPr>
         <p:spPr/>
@@ -1872,7 +1872,7 @@
             <a:spLocks noGrp="1"/>
           </p:cNvSpPr>
           <p:nvPr>
-            <p:ph idx="11" sz="quarter" type="ftr"/>
+            <p:ph type="ftr" sz="quarter" idx="11"/>
           </p:nvPr>
         </p:nvSpPr>
         <p:spPr/>
@@ -1891,7 +1891,7 @@
             <a:spLocks noGrp="1"/>
           </p:cNvSpPr>
           <p:nvPr>
-            <p:ph idx="12" sz="quarter" type="sldNum"/>
+            <p:ph type="sldNum" sz="quarter" idx="12"/>
           </p:nvPr>
         </p:nvSpPr>
         <p:spPr/>
@@ -1917,7 +1917,7 @@
 </file>
 
 <file path=ppt/slideLayouts/slideLayout7.xml><?xml version="1.0" encoding="utf-8"?>
-<p:sldLayout xmlns:a="http://schemas.openxmlformats.org/drawingml/2006/main" xmlns:p="http://schemas.openxmlformats.org/presentationml/2006/main" xmlns:r="http://schemas.openxmlformats.org/officeDocument/2006/relationships" preserve="1" type="blank">
+<p:sldLayout xmlns:a="http://schemas.openxmlformats.org/drawingml/2006/main" xmlns:r="http://schemas.openxmlformats.org/officeDocument/2006/relationships" xmlns:p="http://schemas.openxmlformats.org/presentationml/2006/main" type="blank" preserve="1">
   <p:cSld name="Blank">
     <p:spTree>
       <p:nvGrpSpPr>
@@ -1940,7 +1940,7 @@
             <a:spLocks noGrp="1"/>
           </p:cNvSpPr>
           <p:nvPr>
-            <p:ph idx="10" sz="half" type="dt"/>
+            <p:ph type="dt" sz="half" idx="10"/>
           </p:nvPr>
         </p:nvSpPr>
         <p:spPr/>
@@ -1964,7 +1964,7 @@
             <a:spLocks noGrp="1"/>
           </p:cNvSpPr>
           <p:nvPr>
-            <p:ph idx="11" sz="quarter" type="ftr"/>
+            <p:ph type="ftr" sz="quarter" idx="11"/>
           </p:nvPr>
         </p:nvSpPr>
         <p:spPr/>
@@ -1983,7 +1983,7 @@
             <a:spLocks noGrp="1"/>
           </p:cNvSpPr>
           <p:nvPr>
-            <p:ph idx="12" sz="quarter" type="sldNum"/>
+            <p:ph type="sldNum" sz="quarter" idx="12"/>
           </p:nvPr>
         </p:nvSpPr>
         <p:spPr/>
@@ -2009,7 +2009,7 @@
 </file>
 
 <file path=ppt/slideLayouts/slideLayout8.xml><?xml version="1.0" encoding="utf-8"?>
-<p:sldLayout xmlns:a="http://schemas.openxmlformats.org/drawingml/2006/main" xmlns:p="http://schemas.openxmlformats.org/presentationml/2006/main" xmlns:r="http://schemas.openxmlformats.org/officeDocument/2006/relationships" preserve="1" type="objTx">
+<p:sldLayout xmlns:a="http://schemas.openxmlformats.org/drawingml/2006/main" xmlns:r="http://schemas.openxmlformats.org/officeDocument/2006/relationships" xmlns:p="http://schemas.openxmlformats.org/presentationml/2006/main" type="objTx" preserve="1">
   <p:cSld name="Content with Caption">
     <p:spTree>
       <p:nvGrpSpPr>
@@ -2045,7 +2045,7 @@
           <a:bodyPr anchor="b"/>
           <a:lstStyle>
             <a:lvl1pPr algn="l">
-              <a:defRPr b="1" sz="2000"/>
+              <a:defRPr sz="2000" b="1"/>
             </a:lvl1pPr>
           </a:lstStyle>
           <a:p>
@@ -2149,7 +2149,7 @@
             <a:spLocks noGrp="1"/>
           </p:cNvSpPr>
           <p:nvPr>
-            <p:ph idx="2" sz="half" type="body"/>
+            <p:ph type="body" sz="half" idx="2"/>
           </p:nvPr>
         </p:nvSpPr>
         <p:spPr>
@@ -2161,39 +2161,39 @@
         <p:txBody>
           <a:bodyPr/>
           <a:lstStyle>
-            <a:lvl1pPr indent="0" marL="0">
+            <a:lvl1pPr marL="0" indent="0">
               <a:buNone/>
               <a:defRPr sz="1400"/>
             </a:lvl1pPr>
-            <a:lvl2pPr indent="0" marL="457200">
+            <a:lvl2pPr marL="457200" indent="0">
               <a:buNone/>
               <a:defRPr sz="1200"/>
             </a:lvl2pPr>
-            <a:lvl3pPr indent="0" marL="914400">
+            <a:lvl3pPr marL="914400" indent="0">
               <a:buNone/>
               <a:defRPr sz="1000"/>
             </a:lvl3pPr>
-            <a:lvl4pPr indent="0" marL="1371600">
+            <a:lvl4pPr marL="1371600" indent="0">
               <a:buNone/>
               <a:defRPr sz="900"/>
             </a:lvl4pPr>
-            <a:lvl5pPr indent="0" marL="1828800">
+            <a:lvl5pPr marL="1828800" indent="0">
               <a:buNone/>
               <a:defRPr sz="900"/>
             </a:lvl5pPr>
-            <a:lvl6pPr indent="0" marL="2286000">
+            <a:lvl6pPr marL="2286000" indent="0">
               <a:buNone/>
               <a:defRPr sz="900"/>
             </a:lvl6pPr>
-            <a:lvl7pPr indent="0" marL="2743200">
+            <a:lvl7pPr marL="2743200" indent="0">
               <a:buNone/>
               <a:defRPr sz="900"/>
             </a:lvl7pPr>
-            <a:lvl8pPr indent="0" marL="3200400">
+            <a:lvl8pPr marL="3200400" indent="0">
               <a:buNone/>
               <a:defRPr sz="900"/>
             </a:lvl8pPr>
-            <a:lvl9pPr indent="0" marL="3657600">
+            <a:lvl9pPr marL="3657600" indent="0">
               <a:buNone/>
               <a:defRPr sz="900"/>
             </a:lvl9pPr>
@@ -2214,7 +2214,7 @@
             <a:spLocks noGrp="1"/>
           </p:cNvSpPr>
           <p:nvPr>
-            <p:ph idx="10" sz="half" type="dt"/>
+            <p:ph type="dt" sz="half" idx="10"/>
           </p:nvPr>
         </p:nvSpPr>
         <p:spPr/>
@@ -2238,7 +2238,7 @@
             <a:spLocks noGrp="1"/>
           </p:cNvSpPr>
           <p:nvPr>
-            <p:ph idx="11" sz="quarter" type="ftr"/>
+            <p:ph type="ftr" sz="quarter" idx="11"/>
           </p:nvPr>
         </p:nvSpPr>
         <p:spPr/>
@@ -2257,7 +2257,7 @@
             <a:spLocks noGrp="1"/>
           </p:cNvSpPr>
           <p:nvPr>
-            <p:ph idx="12" sz="quarter" type="sldNum"/>
+            <p:ph type="sldNum" sz="quarter" idx="12"/>
           </p:nvPr>
         </p:nvSpPr>
         <p:spPr/>
@@ -2283,7 +2283,7 @@
 </file>
 
 <file path=ppt/slideLayouts/slideLayout9.xml><?xml version="1.0" encoding="utf-8"?>
-<p:sldLayout xmlns:a="http://schemas.openxmlformats.org/drawingml/2006/main" xmlns:p="http://schemas.openxmlformats.org/presentationml/2006/main" xmlns:r="http://schemas.openxmlformats.org/officeDocument/2006/relationships" preserve="1" type="picTx">
+<p:sldLayout xmlns:a="http://schemas.openxmlformats.org/drawingml/2006/main" xmlns:r="http://schemas.openxmlformats.org/officeDocument/2006/relationships" xmlns:p="http://schemas.openxmlformats.org/presentationml/2006/main" type="picTx" preserve="1">
   <p:cSld name="Picture with Caption">
     <p:spTree>
       <p:nvGrpSpPr>
@@ -2319,7 +2319,7 @@
           <a:bodyPr anchor="b"/>
           <a:lstStyle>
             <a:lvl1pPr algn="l">
-              <a:defRPr b="1" sz="2000"/>
+              <a:defRPr sz="2000" b="1"/>
             </a:lvl1pPr>
           </a:lstStyle>
           <a:p>
@@ -2338,7 +2338,7 @@
             <a:spLocks noGrp="1"/>
           </p:cNvSpPr>
           <p:nvPr>
-            <p:ph idx="1" type="pic"/>
+            <p:ph type="pic" idx="1"/>
           </p:nvPr>
         </p:nvSpPr>
         <p:spPr>
@@ -2350,39 +2350,39 @@
         <p:txBody>
           <a:bodyPr/>
           <a:lstStyle>
-            <a:lvl1pPr indent="0" marL="0">
+            <a:lvl1pPr marL="0" indent="0">
               <a:buNone/>
               <a:defRPr sz="3200"/>
             </a:lvl1pPr>
-            <a:lvl2pPr indent="0" marL="457200">
+            <a:lvl2pPr marL="457200" indent="0">
               <a:buNone/>
               <a:defRPr sz="2800"/>
             </a:lvl2pPr>
-            <a:lvl3pPr indent="0" marL="914400">
+            <a:lvl3pPr marL="914400" indent="0">
               <a:buNone/>
               <a:defRPr sz="2400"/>
             </a:lvl3pPr>
-            <a:lvl4pPr indent="0" marL="1371600">
+            <a:lvl4pPr marL="1371600" indent="0">
               <a:buNone/>
               <a:defRPr sz="2000"/>
             </a:lvl4pPr>
-            <a:lvl5pPr indent="0" marL="1828800">
+            <a:lvl5pPr marL="1828800" indent="0">
               <a:buNone/>
               <a:defRPr sz="2000"/>
             </a:lvl5pPr>
-            <a:lvl6pPr indent="0" marL="2286000">
+            <a:lvl6pPr marL="2286000" indent="0">
               <a:buNone/>
               <a:defRPr sz="2000"/>
             </a:lvl6pPr>
-            <a:lvl7pPr indent="0" marL="2743200">
+            <a:lvl7pPr marL="2743200" indent="0">
               <a:buNone/>
               <a:defRPr sz="2000"/>
             </a:lvl7pPr>
-            <a:lvl8pPr indent="0" marL="3200400">
+            <a:lvl8pPr marL="3200400" indent="0">
               <a:buNone/>
               <a:defRPr sz="2000"/>
             </a:lvl8pPr>
-            <a:lvl9pPr indent="0" marL="3657600">
+            <a:lvl9pPr marL="3657600" indent="0">
               <a:buNone/>
               <a:defRPr sz="2000"/>
             </a:lvl9pPr>
@@ -2399,7 +2399,7 @@
             <a:spLocks noGrp="1"/>
           </p:cNvSpPr>
           <p:nvPr>
-            <p:ph idx="2" sz="half" type="body"/>
+            <p:ph type="body" sz="half" idx="2"/>
           </p:nvPr>
         </p:nvSpPr>
         <p:spPr>
@@ -2411,39 +2411,39 @@
         <p:txBody>
           <a:bodyPr/>
           <a:lstStyle>
-            <a:lvl1pPr indent="0" marL="0">
+            <a:lvl1pPr marL="0" indent="0">
               <a:buNone/>
               <a:defRPr sz="1400"/>
             </a:lvl1pPr>
-            <a:lvl2pPr indent="0" marL="457200">
+            <a:lvl2pPr marL="457200" indent="0">
               <a:buNone/>
               <a:defRPr sz="1200"/>
             </a:lvl2pPr>
-            <a:lvl3pPr indent="0" marL="914400">
+            <a:lvl3pPr marL="914400" indent="0">
               <a:buNone/>
               <a:defRPr sz="1000"/>
             </a:lvl3pPr>
-            <a:lvl4pPr indent="0" marL="1371600">
+            <a:lvl4pPr marL="1371600" indent="0">
               <a:buNone/>
               <a:defRPr sz="900"/>
             </a:lvl4pPr>
-            <a:lvl5pPr indent="0" marL="1828800">
+            <a:lvl5pPr marL="1828800" indent="0">
               <a:buNone/>
               <a:defRPr sz="900"/>
             </a:lvl5pPr>
-            <a:lvl6pPr indent="0" marL="2286000">
+            <a:lvl6pPr marL="2286000" indent="0">
               <a:buNone/>
               <a:defRPr sz="900"/>
             </a:lvl6pPr>
-            <a:lvl7pPr indent="0" marL="2743200">
+            <a:lvl7pPr marL="2743200" indent="0">
               <a:buNone/>
               <a:defRPr sz="900"/>
             </a:lvl7pPr>
-            <a:lvl8pPr indent="0" marL="3200400">
+            <a:lvl8pPr marL="3200400" indent="0">
               <a:buNone/>
               <a:defRPr sz="900"/>
             </a:lvl8pPr>
-            <a:lvl9pPr indent="0" marL="3657600">
+            <a:lvl9pPr marL="3657600" indent="0">
               <a:buNone/>
               <a:defRPr sz="900"/>
             </a:lvl9pPr>
@@ -2464,7 +2464,7 @@
             <a:spLocks noGrp="1"/>
           </p:cNvSpPr>
           <p:nvPr>
-            <p:ph idx="10" sz="half" type="dt"/>
+            <p:ph type="dt" sz="half" idx="10"/>
           </p:nvPr>
         </p:nvSpPr>
         <p:spPr/>
@@ -2488,7 +2488,7 @@
             <a:spLocks noGrp="1"/>
           </p:cNvSpPr>
           <p:nvPr>
-            <p:ph idx="11" sz="quarter" type="ftr"/>
+            <p:ph type="ftr" sz="quarter" idx="11"/>
           </p:nvPr>
         </p:nvSpPr>
         <p:spPr/>
@@ -2507,7 +2507,7 @@
             <a:spLocks noGrp="1"/>
           </p:cNvSpPr>
           <p:nvPr>
-            <p:ph idx="12" sz="quarter" type="sldNum"/>
+            <p:ph type="sldNum" sz="quarter" idx="12"/>
           </p:nvPr>
         </p:nvSpPr>
         <p:spPr/>
@@ -2533,7 +2533,7 @@
 </file>
 
 <file path=ppt/slideMasters/slideMaster1.xml><?xml version="1.0" encoding="utf-8"?>
-<p:sldMaster xmlns:a="http://schemas.openxmlformats.org/drawingml/2006/main" xmlns:p="http://schemas.openxmlformats.org/presentationml/2006/main" xmlns:r="http://schemas.openxmlformats.org/officeDocument/2006/relationships">
+<p:sldMaster xmlns:a="http://schemas.openxmlformats.org/drawingml/2006/main" xmlns:r="http://schemas.openxmlformats.org/officeDocument/2006/relationships" xmlns:p="http://schemas.openxmlformats.org/presentationml/2006/main">
   <p:cSld>
     <p:bg>
       <p:bgRef idx="1001">
@@ -2574,7 +2574,7 @@
           </a:prstGeom>
         </p:spPr>
         <p:txBody>
-          <a:bodyPr anchor="ctr" bIns="45720" lIns="91440" rIns="91440" rtlCol="0" tIns="45720" vert="horz">
+          <a:bodyPr vert="horz" lIns="91440" tIns="45720" rIns="91440" bIns="45720" rtlCol="0" anchor="ctr">
             <a:normAutofit/>
           </a:bodyPr>
           <a:lstStyle/>
@@ -2594,7 +2594,7 @@
             <a:spLocks noGrp="1"/>
           </p:cNvSpPr>
           <p:nvPr>
-            <p:ph idx="1" type="body"/>
+            <p:ph type="body" idx="1"/>
           </p:nvPr>
         </p:nvSpPr>
         <p:spPr>
@@ -2607,7 +2607,7 @@
           </a:prstGeom>
         </p:spPr>
         <p:txBody>
-          <a:bodyPr bIns="45720" lIns="91440" rIns="91440" rtlCol="0" tIns="45720" vert="horz">
+          <a:bodyPr vert="horz" lIns="91440" tIns="45720" rIns="91440" bIns="45720" rtlCol="0">
             <a:normAutofit/>
           </a:bodyPr>
           <a:lstStyle/>
@@ -2656,7 +2656,7 @@
             <a:spLocks noGrp="1"/>
           </p:cNvSpPr>
           <p:nvPr>
-            <p:ph idx="2" sz="half" type="dt"/>
+            <p:ph type="dt" sz="half" idx="2"/>
           </p:nvPr>
         </p:nvSpPr>
         <p:spPr>
@@ -2669,7 +2669,7 @@
           </a:prstGeom>
         </p:spPr>
         <p:txBody>
-          <a:bodyPr anchor="ctr" bIns="45720" lIns="91440" rIns="91440" rtlCol="0" tIns="45720" vert="horz"/>
+          <a:bodyPr vert="horz" lIns="91440" tIns="45720" rIns="91440" bIns="45720" rtlCol="0" anchor="ctr"/>
           <a:lstStyle>
             <a:lvl1pPr algn="l">
               <a:defRPr sz="1200">
@@ -2698,7 +2698,7 @@
             <a:spLocks noGrp="1"/>
           </p:cNvSpPr>
           <p:nvPr>
-            <p:ph idx="3" sz="quarter" type="ftr"/>
+            <p:ph type="ftr" sz="quarter" idx="3"/>
           </p:nvPr>
         </p:nvSpPr>
         <p:spPr>
@@ -2711,7 +2711,7 @@
           </a:prstGeom>
         </p:spPr>
         <p:txBody>
-          <a:bodyPr anchor="ctr" bIns="45720" lIns="91440" rIns="91440" rtlCol="0" tIns="45720" vert="horz"/>
+          <a:bodyPr vert="horz" lIns="91440" tIns="45720" rIns="91440" bIns="45720" rtlCol="0" anchor="ctr"/>
           <a:lstStyle>
             <a:lvl1pPr algn="ctr">
               <a:defRPr sz="1200">
@@ -2735,7 +2735,7 @@
             <a:spLocks noGrp="1"/>
           </p:cNvSpPr>
           <p:nvPr>
-            <p:ph idx="4" sz="quarter" type="sldNum"/>
+            <p:ph type="sldNum" sz="quarter" idx="4"/>
           </p:nvPr>
         </p:nvSpPr>
         <p:spPr>
@@ -2748,7 +2748,7 @@
           </a:prstGeom>
         </p:spPr>
         <p:txBody>
-          <a:bodyPr anchor="ctr" bIns="45720" lIns="91440" rIns="91440" rtlCol="0" tIns="45720" vert="horz"/>
+          <a:bodyPr vert="horz" lIns="91440" tIns="45720" rIns="91440" bIns="45720" rtlCol="0" anchor="ctr"/>
           <a:lstStyle>
             <a:lvl1pPr algn="r">
               <a:defRPr sz="1200">
@@ -2772,7 +2772,7 @@
       </p:sp>
     </p:spTree>
   </p:cSld>
-  <p:clrMap accent1="accent1" accent2="accent2" accent3="accent3" accent4="accent4" accent5="accent5" accent6="accent6" bg1="lt1" bg2="lt2" folHlink="folHlink" hlink="hlink" tx1="dk1" tx2="dk2"/>
+  <p:clrMap bg1="lt1" tx1="dk1" bg2="lt2" tx2="dk2" accent1="accent1" accent2="accent2" accent3="accent3" accent4="accent4" accent5="accent5" accent6="accent6" hlink="hlink" folHlink="folHlink"/>
   <p:sldLayoutIdLst>
     <p:sldLayoutId id="2147483649" r:id="rId1"/>
     <p:sldLayoutId id="2147483650" r:id="rId2"/>
@@ -2788,12 +2788,12 @@
   </p:sldLayoutIdLst>
   <p:txStyles>
     <p:titleStyle>
-      <a:lvl1pPr algn="ctr" defTabSz="914400" eaLnBrk="1" hangingPunct="1" latinLnBrk="0" rtl="0">
+      <a:lvl1pPr algn="ctr" defTabSz="914400" rtl="0" eaLnBrk="1" latinLnBrk="0" hangingPunct="1">
         <a:spcBef>
           <a:spcPct val="0"/>
         </a:spcBef>
         <a:buNone/>
-        <a:defRPr kern="1200" sz="4400">
+        <a:defRPr sz="4400" kern="1200">
           <a:solidFill>
             <a:schemeClr val="tx1"/>
           </a:solidFill>
@@ -2804,13 +2804,13 @@
       </a:lvl1pPr>
     </p:titleStyle>
     <p:bodyStyle>
-      <a:lvl1pPr algn="l" defTabSz="914400" eaLnBrk="1" hangingPunct="1" indent="-342900" latinLnBrk="0" marL="342900" rtl="0">
+      <a:lvl1pPr marL="342900" indent="-342900" algn="l" defTabSz="914400" rtl="0" eaLnBrk="1" latinLnBrk="0" hangingPunct="1">
         <a:spcBef>
           <a:spcPct val="20000"/>
         </a:spcBef>
-        <a:buFont charset="0" pitchFamily="34" typeface="Arial"/>
+        <a:buFont typeface="Arial" pitchFamily="34" charset="0"/>
         <a:buChar char="•"/>
-        <a:defRPr kern="1200" sz="3200">
+        <a:defRPr sz="3200" kern="1200">
           <a:solidFill>
             <a:schemeClr val="tx1"/>
           </a:solidFill>
@@ -2819,13 +2819,13 @@
           <a:cs typeface="+mn-cs"/>
         </a:defRPr>
       </a:lvl1pPr>
-      <a:lvl2pPr algn="l" defTabSz="914400" eaLnBrk="1" hangingPunct="1" indent="-285750" latinLnBrk="0" marL="742950" rtl="0">
+      <a:lvl2pPr marL="742950" indent="-285750" algn="l" defTabSz="914400" rtl="0" eaLnBrk="1" latinLnBrk="0" hangingPunct="1">
         <a:spcBef>
           <a:spcPct val="20000"/>
         </a:spcBef>
-        <a:buFont charset="0" pitchFamily="34" typeface="Arial"/>
+        <a:buFont typeface="Arial" pitchFamily="34" charset="0"/>
         <a:buChar char="–"/>
-        <a:defRPr kern="1200" sz="2800">
+        <a:defRPr sz="2800" kern="1200">
           <a:solidFill>
             <a:schemeClr val="tx1"/>
           </a:solidFill>
@@ -2834,13 +2834,13 @@
           <a:cs typeface="+mn-cs"/>
         </a:defRPr>
       </a:lvl2pPr>
-      <a:lvl3pPr algn="l" defTabSz="914400" eaLnBrk="1" hangingPunct="1" indent="-228600" latinLnBrk="0" marL="1143000" rtl="0">
+      <a:lvl3pPr marL="1143000" indent="-228600" algn="l" defTabSz="914400" rtl="0" eaLnBrk="1" latinLnBrk="0" hangingPunct="1">
         <a:spcBef>
           <a:spcPct val="20000"/>
         </a:spcBef>
-        <a:buFont charset="0" pitchFamily="34" typeface="Arial"/>
+        <a:buFont typeface="Arial" pitchFamily="34" charset="0"/>
         <a:buChar char="•"/>
-        <a:defRPr kern="1200" sz="2400">
+        <a:defRPr sz="2400" kern="1200">
           <a:solidFill>
             <a:schemeClr val="tx1"/>
           </a:solidFill>
@@ -2849,13 +2849,13 @@
           <a:cs typeface="+mn-cs"/>
         </a:defRPr>
       </a:lvl3pPr>
-      <a:lvl4pPr algn="l" defTabSz="914400" eaLnBrk="1" hangingPunct="1" indent="-228600" latinLnBrk="0" marL="1600200" rtl="0">
+      <a:lvl4pPr marL="1600200" indent="-228600" algn="l" defTabSz="914400" rtl="0" eaLnBrk="1" latinLnBrk="0" hangingPunct="1">
         <a:spcBef>
           <a:spcPct val="20000"/>
         </a:spcBef>
-        <a:buFont charset="0" pitchFamily="34" typeface="Arial"/>
+        <a:buFont typeface="Arial" pitchFamily="34" charset="0"/>
         <a:buChar char="–"/>
-        <a:defRPr kern="1200" sz="2000">
+        <a:defRPr sz="2000" kern="1200">
           <a:solidFill>
             <a:schemeClr val="tx1"/>
           </a:solidFill>
@@ -2864,13 +2864,13 @@
           <a:cs typeface="+mn-cs"/>
         </a:defRPr>
       </a:lvl4pPr>
-      <a:lvl5pPr algn="l" defTabSz="914400" eaLnBrk="1" hangingPunct="1" indent="-228600" latinLnBrk="0" marL="2057400" rtl="0">
+      <a:lvl5pPr marL="2057400" indent="-228600" algn="l" defTabSz="914400" rtl="0" eaLnBrk="1" latinLnBrk="0" hangingPunct="1">
         <a:spcBef>
           <a:spcPct val="20000"/>
         </a:spcBef>
-        <a:buFont charset="0" pitchFamily="34" typeface="Arial"/>
+        <a:buFont typeface="Arial" pitchFamily="34" charset="0"/>
         <a:buChar char="»"/>
-        <a:defRPr kern="1200" sz="2000">
+        <a:defRPr sz="2000" kern="1200">
           <a:solidFill>
             <a:schemeClr val="tx1"/>
           </a:solidFill>
@@ -2879,13 +2879,13 @@
           <a:cs typeface="+mn-cs"/>
         </a:defRPr>
       </a:lvl5pPr>
-      <a:lvl6pPr algn="l" defTabSz="914400" eaLnBrk="1" hangingPunct="1" indent="-228600" latinLnBrk="0" marL="2514600" rtl="0">
+      <a:lvl6pPr marL="2514600" indent="-228600" algn="l" defTabSz="914400" rtl="0" eaLnBrk="1" latinLnBrk="0" hangingPunct="1">
         <a:spcBef>
           <a:spcPct val="20000"/>
         </a:spcBef>
-        <a:buFont charset="0" pitchFamily="34" typeface="Arial"/>
+        <a:buFont typeface="Arial" pitchFamily="34" charset="0"/>
         <a:buChar char="•"/>
-        <a:defRPr kern="1200" sz="2000">
+        <a:defRPr sz="2000" kern="1200">
           <a:solidFill>
             <a:schemeClr val="tx1"/>
           </a:solidFill>
@@ -2894,13 +2894,13 @@
           <a:cs typeface="+mn-cs"/>
         </a:defRPr>
       </a:lvl6pPr>
-      <a:lvl7pPr algn="l" defTabSz="914400" eaLnBrk="1" hangingPunct="1" indent="-228600" latinLnBrk="0" marL="2971800" rtl="0">
+      <a:lvl7pPr marL="2971800" indent="-228600" algn="l" defTabSz="914400" rtl="0" eaLnBrk="1" latinLnBrk="0" hangingPunct="1">
         <a:spcBef>
           <a:spcPct val="20000"/>
         </a:spcBef>
-        <a:buFont charset="0" pitchFamily="34" typeface="Arial"/>
+        <a:buFont typeface="Arial" pitchFamily="34" charset="0"/>
         <a:buChar char="•"/>
-        <a:defRPr kern="1200" sz="2000">
+        <a:defRPr sz="2000" kern="1200">
           <a:solidFill>
             <a:schemeClr val="tx1"/>
           </a:solidFill>
@@ -2909,13 +2909,13 @@
           <a:cs typeface="+mn-cs"/>
         </a:defRPr>
       </a:lvl7pPr>
-      <a:lvl8pPr algn="l" defTabSz="914400" eaLnBrk="1" hangingPunct="1" indent="-228600" latinLnBrk="0" marL="3429000" rtl="0">
+      <a:lvl8pPr marL="3429000" indent="-228600" algn="l" defTabSz="914400" rtl="0" eaLnBrk="1" latinLnBrk="0" hangingPunct="1">
         <a:spcBef>
           <a:spcPct val="20000"/>
         </a:spcBef>
-        <a:buFont charset="0" pitchFamily="34" typeface="Arial"/>
+        <a:buFont typeface="Arial" pitchFamily="34" charset="0"/>
         <a:buChar char="•"/>
-        <a:defRPr kern="1200" sz="2000">
+        <a:defRPr sz="2000" kern="1200">
           <a:solidFill>
             <a:schemeClr val="tx1"/>
           </a:solidFill>
@@ -2924,13 +2924,13 @@
           <a:cs typeface="+mn-cs"/>
         </a:defRPr>
       </a:lvl8pPr>
-      <a:lvl9pPr algn="l" defTabSz="914400" eaLnBrk="1" hangingPunct="1" indent="-228600" latinLnBrk="0" marL="3886200" rtl="0">
+      <a:lvl9pPr marL="3886200" indent="-228600" algn="l" defTabSz="914400" rtl="0" eaLnBrk="1" latinLnBrk="0" hangingPunct="1">
         <a:spcBef>
           <a:spcPct val="20000"/>
         </a:spcBef>
-        <a:buFont charset="0" pitchFamily="34" typeface="Arial"/>
+        <a:buFont typeface="Arial" pitchFamily="34" charset="0"/>
         <a:buChar char="•"/>
-        <a:defRPr kern="1200" sz="2000">
+        <a:defRPr sz="2000" kern="1200">
           <a:solidFill>
             <a:schemeClr val="tx1"/>
           </a:solidFill>
@@ -2944,8 +2944,8 @@
       <a:defPPr>
         <a:defRPr lang="en-US"/>
       </a:defPPr>
-      <a:lvl1pPr algn="l" defTabSz="914400" eaLnBrk="1" hangingPunct="1" latinLnBrk="0" marL="0" rtl="0">
-        <a:defRPr kern="1200" sz="1800">
+      <a:lvl1pPr marL="0" algn="l" defTabSz="914400" rtl="0" eaLnBrk="1" latinLnBrk="0" hangingPunct="1">
+        <a:defRPr sz="1800" kern="1200">
           <a:solidFill>
             <a:schemeClr val="tx1"/>
           </a:solidFill>
@@ -2954,8 +2954,8 @@
           <a:cs typeface="+mn-cs"/>
         </a:defRPr>
       </a:lvl1pPr>
-      <a:lvl2pPr algn="l" defTabSz="914400" eaLnBrk="1" hangingPunct="1" latinLnBrk="0" marL="457200" rtl="0">
-        <a:defRPr kern="1200" sz="1800">
+      <a:lvl2pPr marL="457200" algn="l" defTabSz="914400" rtl="0" eaLnBrk="1" latinLnBrk="0" hangingPunct="1">
+        <a:defRPr sz="1800" kern="1200">
           <a:solidFill>
             <a:schemeClr val="tx1"/>
           </a:solidFill>
@@ -2964,8 +2964,8 @@
           <a:cs typeface="+mn-cs"/>
         </a:defRPr>
       </a:lvl2pPr>
-      <a:lvl3pPr algn="l" defTabSz="914400" eaLnBrk="1" hangingPunct="1" latinLnBrk="0" marL="914400" rtl="0">
-        <a:defRPr kern="1200" sz="1800">
+      <a:lvl3pPr marL="914400" algn="l" defTabSz="914400" rtl="0" eaLnBrk="1" latinLnBrk="0" hangingPunct="1">
+        <a:defRPr sz="1800" kern="1200">
           <a:solidFill>
             <a:schemeClr val="tx1"/>
           </a:solidFill>
@@ -2974,8 +2974,8 @@
           <a:cs typeface="+mn-cs"/>
         </a:defRPr>
       </a:lvl3pPr>
-      <a:lvl4pPr algn="l" defTabSz="914400" eaLnBrk="1" hangingPunct="1" latinLnBrk="0" marL="1371600" rtl="0">
-        <a:defRPr kern="1200" sz="1800">
+      <a:lvl4pPr marL="1371600" algn="l" defTabSz="914400" rtl="0" eaLnBrk="1" latinLnBrk="0" hangingPunct="1">
+        <a:defRPr sz="1800" kern="1200">
           <a:solidFill>
             <a:schemeClr val="tx1"/>
           </a:solidFill>
@@ -2984,8 +2984,8 @@
           <a:cs typeface="+mn-cs"/>
         </a:defRPr>
       </a:lvl4pPr>
-      <a:lvl5pPr algn="l" defTabSz="914400" eaLnBrk="1" hangingPunct="1" latinLnBrk="0" marL="1828800" rtl="0">
-        <a:defRPr kern="1200" sz="1800">
+      <a:lvl5pPr marL="1828800" algn="l" defTabSz="914400" rtl="0" eaLnBrk="1" latinLnBrk="0" hangingPunct="1">
+        <a:defRPr sz="1800" kern="1200">
           <a:solidFill>
             <a:schemeClr val="tx1"/>
           </a:solidFill>
@@ -2994,8 +2994,8 @@
           <a:cs typeface="+mn-cs"/>
         </a:defRPr>
       </a:lvl5pPr>
-      <a:lvl6pPr algn="l" defTabSz="914400" eaLnBrk="1" hangingPunct="1" latinLnBrk="0" marL="2286000" rtl="0">
-        <a:defRPr kern="1200" sz="1800">
+      <a:lvl6pPr marL="2286000" algn="l" defTabSz="914400" rtl="0" eaLnBrk="1" latinLnBrk="0" hangingPunct="1">
+        <a:defRPr sz="1800" kern="1200">
           <a:solidFill>
             <a:schemeClr val="tx1"/>
           </a:solidFill>
@@ -3004,8 +3004,8 @@
           <a:cs typeface="+mn-cs"/>
         </a:defRPr>
       </a:lvl6pPr>
-      <a:lvl7pPr algn="l" defTabSz="914400" eaLnBrk="1" hangingPunct="1" latinLnBrk="0" marL="2743200" rtl="0">
-        <a:defRPr kern="1200" sz="1800">
+      <a:lvl7pPr marL="2743200" algn="l" defTabSz="914400" rtl="0" eaLnBrk="1" latinLnBrk="0" hangingPunct="1">
+        <a:defRPr sz="1800" kern="1200">
           <a:solidFill>
             <a:schemeClr val="tx1"/>
           </a:solidFill>
@@ -3014,8 +3014,8 @@
           <a:cs typeface="+mn-cs"/>
         </a:defRPr>
       </a:lvl7pPr>
-      <a:lvl8pPr algn="l" defTabSz="914400" eaLnBrk="1" hangingPunct="1" latinLnBrk="0" marL="3200400" rtl="0">
-        <a:defRPr kern="1200" sz="1800">
+      <a:lvl8pPr marL="3200400" algn="l" defTabSz="914400" rtl="0" eaLnBrk="1" latinLnBrk="0" hangingPunct="1">
+        <a:defRPr sz="1800" kern="1200">
           <a:solidFill>
             <a:schemeClr val="tx1"/>
           </a:solidFill>
@@ -3024,8 +3024,8 @@
           <a:cs typeface="+mn-cs"/>
         </a:defRPr>
       </a:lvl8pPr>
-      <a:lvl9pPr algn="l" defTabSz="914400" eaLnBrk="1" hangingPunct="1" latinLnBrk="0" marL="3657600" rtl="0">
-        <a:defRPr kern="1200" sz="1800">
+      <a:lvl9pPr marL="3657600" algn="l" defTabSz="914400" rtl="0" eaLnBrk="1" latinLnBrk="0" hangingPunct="1">
+        <a:defRPr sz="1800" kern="1200">
           <a:solidFill>
             <a:schemeClr val="tx1"/>
           </a:solidFill>
@@ -3044,10 +3044,10 @@
   <a:themeElements>
     <a:clrScheme name="Office">
       <a:dk1>
-        <a:sysClr lastClr="000000" val="windowText"/>
+        <a:sysClr val="windowText" lastClr="000000"/>
       </a:dk1>
       <a:lt1>
-        <a:sysClr lastClr="FFFFFF" val="window"/>
+        <a:sysClr val="window" lastClr="FFFFFF"/>
       </a:lt1>
       <a:dk2>
         <a:srgbClr val="1F497D"/>
@@ -3203,7 +3203,7 @@
         </a:gradFill>
       </a:fillStyleLst>
       <a:lnStyleLst>
-        <a:ln algn="ctr" cap="flat" cmpd="sng" w="9525">
+        <a:ln w="9525" cap="flat" cmpd="sng" algn="ctr">
           <a:solidFill>
             <a:schemeClr val="phClr">
               <a:shade val="95000"/>
@@ -3212,13 +3212,13 @@
           </a:solidFill>
           <a:prstDash val="solid"/>
         </a:ln>
-        <a:ln algn="ctr" cap="flat" cmpd="sng" w="25400">
+        <a:ln w="25400" cap="flat" cmpd="sng" algn="ctr">
           <a:solidFill>
             <a:schemeClr val="phClr"/>
           </a:solidFill>
           <a:prstDash val="solid"/>
         </a:ln>
-        <a:ln algn="ctr" cap="flat" cmpd="sng" w="38100">
+        <a:ln w="38100" cap="flat" cmpd="sng" algn="ctr">
           <a:solidFill>
             <a:schemeClr val="phClr"/>
           </a:solidFill>
@@ -3228,7 +3228,7 @@
       <a:effectStyleLst>
         <a:effectStyle>
           <a:effectLst>
-            <a:outerShdw blurRad="40000" dir="5400000" dist="20000" rotWithShape="0">
+            <a:outerShdw blurRad="40000" dist="20000" dir="5400000" rotWithShape="0">
               <a:srgbClr val="000000">
                 <a:alpha val="38000"/>
               </a:srgbClr>
@@ -3237,7 +3237,7 @@
         </a:effectStyle>
         <a:effectStyle>
           <a:effectLst>
-            <a:outerShdw blurRad="40000" dir="5400000" dist="23000" rotWithShape="0">
+            <a:outerShdw blurRad="40000" dist="23000" dir="5400000" rotWithShape="0">
               <a:srgbClr val="000000">
                 <a:alpha val="35000"/>
               </a:srgbClr>
@@ -3246,7 +3246,7 @@
         </a:effectStyle>
         <a:effectStyle>
           <a:effectLst>
-            <a:outerShdw blurRad="40000" dir="5400000" dist="23000" rotWithShape="0">
+            <a:outerShdw blurRad="40000" dist="23000" dir="5400000" rotWithShape="0">
               <a:srgbClr val="000000">
                 <a:alpha val="35000"/>
               </a:srgbClr>
@@ -3256,12 +3256,12 @@
             <a:camera prst="orthographicFront">
               <a:rot lat="0" lon="0" rev="0"/>
             </a:camera>
-            <a:lightRig dir="t" rig="threePt">
+            <a:lightRig rig="threePt" dir="t">
               <a:rot lat="0" lon="0" rev="1200000"/>
             </a:lightRig>
           </a:scene3d>
           <a:sp3d>
-            <a:bevelT h="25400" w="63500"/>
+            <a:bevelT w="63500" h="25400"/>
           </a:sp3d>
         </a:effectStyle>
       </a:effectStyleLst>
@@ -3292,7 +3292,7 @@
             </a:gs>
           </a:gsLst>
           <a:path path="circle">
-            <a:fillToRect b="180000" l="50000" r="50000" t="-80000"/>
+            <a:fillToRect l="50000" t="-80000" r="50000" b="180000"/>
           </a:path>
         </a:gradFill>
         <a:gradFill rotWithShape="1">
@@ -3311,7 +3311,7 @@
             </a:gs>
           </a:gsLst>
           <a:path path="circle">
-            <a:fillToRect b="50000" l="50000" r="50000" t="50000"/>
+            <a:fillToRect l="50000" t="50000" r="50000" b="50000"/>
           </a:path>
         </a:gradFill>
       </a:bgFillStyleLst>
